--- a/demo/demo.pptx
+++ b/demo/demo.pptx
@@ -3116,7 +3116,7 @@
           <a:lstStyle/>
           <a:p>
             <a:pPr>
-              <a:defRPr sz="1400">
+              <a:defRPr sz="1700">
                 <a:latin typeface="Microsoft YaHei"/>
               </a:defRPr>
             </a:pPr>
@@ -3134,8 +3134,8 @@
         </p:nvSpPr>
         <p:spPr>
           <a:xfrm>
-            <a:off x="839811" y="2790400"/>
-            <a:ext cx="6026015" cy="916251"/>
+            <a:off x="825077" y="2790400"/>
+            <a:ext cx="6040749" cy="916251"/>
           </a:xfrm>
           <a:prstGeom prst="rect">
             <a:avLst/>
@@ -3149,7 +3149,7 @@
           <a:lstStyle/>
           <a:p>
             <a:pPr>
-              <a:defRPr sz="4000">
+              <a:defRPr sz="4700">
                 <a:latin typeface="Microsoft YaHei"/>
               </a:defRPr>
             </a:pPr>
@@ -3167,8 +3167,8 @@
         </p:nvSpPr>
         <p:spPr>
           <a:xfrm>
-            <a:off x="839811" y="3939879"/>
-            <a:ext cx="5186204" cy="1232774"/>
+            <a:off x="825077" y="3939879"/>
+            <a:ext cx="5200937" cy="1232774"/>
           </a:xfrm>
           <a:prstGeom prst="rect">
             <a:avLst/>
@@ -3182,7 +3182,7 @@
           <a:lstStyle/>
           <a:p>
             <a:pPr>
-              <a:defRPr sz="2900">
+              <a:defRPr sz="3500">
                 <a:latin typeface="Microsoft YaHei"/>
               </a:defRPr>
             </a:pPr>
@@ -3224,8 +3224,8 @@
         </p:nvSpPr>
         <p:spPr>
           <a:xfrm>
-            <a:off x="839811" y="7479940"/>
-            <a:ext cx="2696236" cy="316523"/>
+            <a:off x="825077" y="7479940"/>
+            <a:ext cx="2710970" cy="316523"/>
           </a:xfrm>
           <a:prstGeom prst="rect">
             <a:avLst/>
@@ -3245,39 +3245,6 @@
             </a:pPr>
             <a:r>
               <a:t>省终端公司|2026年1月</a:t>
-            </a:r>
-          </a:p>
-        </p:txBody>
-      </p:sp>
-      <p:sp>
-        <p:nvSpPr>
-          <p:cNvPr id="7" name="TextBox 6"/>
-          <p:cNvSpPr txBox="1"/>
-          <p:nvPr/>
-        </p:nvSpPr>
-        <p:spPr>
-          <a:xfrm>
-            <a:off x="13554851" y="8063008"/>
-            <a:ext cx="1075548" cy="166591"/>
-          </a:xfrm>
-          <a:prstGeom prst="rect">
-            <a:avLst/>
-          </a:prstGeom>
-          <a:noFill/>
-        </p:spPr>
-        <p:txBody>
-          <a:bodyPr wrap="square">
-            <a:spAutoFit/>
-          </a:bodyPr>
-          <a:lstStyle/>
-          <a:p>
-            <a:pPr>
-              <a:defRPr sz="700">
-                <a:latin typeface="Microsoft YaHei"/>
-              </a:defRPr>
-            </a:pPr>
-            <a:r>
-              <a:t>NotebookLM</a:t>
             </a:r>
           </a:p>
         </p:txBody>
@@ -3323,7 +3290,7 @@
           <a:lstStyle/>
           <a:p>
             <a:pPr>
-              <a:defRPr sz="2100">
+              <a:defRPr sz="2500">
                 <a:latin typeface="Microsoft YaHei"/>
               </a:defRPr>
             </a:pPr>
@@ -3428,7 +3395,7 @@
           <a:lstStyle/>
           <a:p>
             <a:pPr>
-              <a:defRPr sz="1700">
+              <a:defRPr sz="2000">
                 <a:latin typeface="Microsoft YaHei"/>
               </a:defRPr>
             </a:pPr>
@@ -3461,7 +3428,7 @@
           <a:lstStyle/>
           <a:p>
             <a:pPr>
-              <a:defRPr sz="1400">
+              <a:defRPr sz="1600">
                 <a:latin typeface="Microsoft YaHei"/>
               </a:defRPr>
             </a:pPr>
@@ -3518,7 +3485,7 @@
           <a:lstStyle/>
           <a:p>
             <a:pPr>
-              <a:defRPr sz="1700">
+              <a:defRPr sz="2000">
                 <a:latin typeface="Microsoft YaHei"/>
               </a:defRPr>
             </a:pPr>
@@ -3575,7 +3542,7 @@
           <a:lstStyle/>
           <a:p>
             <a:pPr>
-              <a:defRPr sz="1500">
+              <a:defRPr sz="1800">
                 <a:latin typeface="Microsoft YaHei"/>
               </a:defRPr>
             </a:pPr>
@@ -3584,7 +3551,7 @@
             </a:r>
             <a:br/>
             <a:r>
-              <a:t>- 散热系统：散热面积  $+67.4\%$  ，热导率  $+11.4\%$  确保Sensor高温下稳定工作。</a:t>
+              <a:t>- 散热系统：散热面积  +67.4%  ，热导率  +11.4%  确保Sensor高温下稳定工作。</a:t>
             </a:r>
           </a:p>
         </p:txBody>
@@ -3636,7 +3603,7 @@
           <a:lstStyle/>
           <a:p>
             <a:pPr>
-              <a:defRPr sz="1700">
+              <a:defRPr sz="2000">
                 <a:latin typeface="Microsoft YaHei"/>
               </a:defRPr>
             </a:pPr>
@@ -3693,7 +3660,7 @@
           <a:lstStyle/>
           <a:p>
             <a:pPr>
-              <a:defRPr sz="1600">
+              <a:defRPr sz="1900">
                 <a:latin typeface="Microsoft YaHei"/>
               </a:defRPr>
             </a:pPr>
@@ -3717,6 +3684,39 @@
           <a:xfrm>
             <a:off x="11536357" y="5650048"/>
             <a:ext cx="1311284" cy="382772"/>
+          </a:xfrm>
+          <a:prstGeom prst="rect">
+            <a:avLst/>
+          </a:prstGeom>
+          <a:noFill/>
+        </p:spPr>
+        <p:txBody>
+          <a:bodyPr wrap="none">
+            <a:spAutoFit/>
+          </a:bodyPr>
+          <a:lstStyle/>
+          <a:p>
+            <a:pPr>
+              <a:defRPr sz="2200">
+                <a:latin typeface="Microsoft YaHei"/>
+              </a:defRPr>
+            </a:pPr>
+            <a:r>
+              <a:t>规格底座</a:t>
+            </a:r>
+          </a:p>
+        </p:txBody>
+      </p:sp>
+      <p:sp>
+        <p:nvSpPr>
+          <p:cNvPr id="17" name="TextBox 16"/>
+          <p:cNvSpPr txBox="1"/>
+          <p:nvPr/>
+        </p:nvSpPr>
+        <p:spPr>
+          <a:xfrm>
+            <a:off x="11536357" y="6190922"/>
+            <a:ext cx="2725703" cy="973572"/>
           </a:xfrm>
           <a:prstGeom prst="rect">
             <a:avLst/>
@@ -3730,26 +3730,34 @@
           <a:lstStyle/>
           <a:p>
             <a:pPr>
-              <a:defRPr sz="1800">
+              <a:defRPr sz="1300">
                 <a:latin typeface="Microsoft YaHei"/>
               </a:defRPr>
             </a:pPr>
             <a:r>
-              <a:t>规格底座</a:t>
-            </a:r>
-          </a:p>
-        </p:txBody>
-      </p:sp>
-      <p:sp>
-        <p:nvSpPr>
-          <p:cNvPr id="17" name="TextBox 16"/>
+              <a:t>- 分辨率：2560*1440 @ 25fps</a:t>
+            </a:r>
+            <a:br/>
+            <a:r>
+              <a:t>- 防护：IP67防尘防水</a:t>
+            </a:r>
+            <a:br/>
+            <a:r>
+              <a:t>·供电：PoE/12VDC双供电</a:t>
+            </a:r>
+          </a:p>
+        </p:txBody>
+      </p:sp>
+      <p:sp>
+        <p:nvSpPr>
+          <p:cNvPr id="18" name="TextBox 17"/>
           <p:cNvSpPr txBox="1"/>
           <p:nvPr/>
         </p:nvSpPr>
         <p:spPr>
           <a:xfrm>
-            <a:off x="11536357" y="6190922"/>
-            <a:ext cx="2725703" cy="973572"/>
+            <a:off x="3123509" y="6598658"/>
+            <a:ext cx="2401566" cy="391093"/>
           </a:xfrm>
           <a:prstGeom prst="rect">
             <a:avLst/>
@@ -3763,53 +3771,12 @@
           <a:lstStyle/>
           <a:p>
             <a:pPr>
-              <a:defRPr sz="1100">
+              <a:defRPr sz="2000">
                 <a:latin typeface="Microsoft YaHei"/>
               </a:defRPr>
             </a:pPr>
             <a:r>
-              <a:t>- 分辨率：2560*1440 @ 25fps</a:t>
-            </a:r>
-            <a:br/>
-            <a:r>
-              <a:t>- 防护：IP67防尘防水</a:t>
-            </a:r>
-            <a:br/>
-            <a:r>
-              <a:t>·供电：PoE/12VDC双供电</a:t>
-            </a:r>
-          </a:p>
-        </p:txBody>
-      </p:sp>
-      <p:sp>
-        <p:nvSpPr>
-          <p:cNvPr id="18" name="TextBox 17"/>
-          <p:cNvSpPr txBox="1"/>
-          <p:nvPr/>
-        </p:nvSpPr>
-        <p:spPr>
-          <a:xfrm>
-            <a:off x="13554851" y="8054856"/>
-            <a:ext cx="1075548" cy="174743"/>
-          </a:xfrm>
-          <a:prstGeom prst="rect">
-            <a:avLst/>
-          </a:prstGeom>
-          <a:noFill/>
-        </p:spPr>
-        <p:txBody>
-          <a:bodyPr wrap="square">
-            <a:spAutoFit/>
-          </a:bodyPr>
-          <a:lstStyle/>
-          <a:p>
-            <a:pPr>
-              <a:defRPr sz="700">
-                <a:latin typeface="Microsoft YaHei"/>
-              </a:defRPr>
-            </a:pPr>
-            <a:r>
-              <a:t>NotebookLM</a:t>
+              <a:t>冰河1.0散热系统</a:t>
             </a:r>
           </a:p>
         </p:txBody>
@@ -3840,8 +3807,8 @@
         </p:nvSpPr>
         <p:spPr>
           <a:xfrm>
-            <a:off x="574607" y="308818"/>
-            <a:ext cx="12479303" cy="500787"/>
+            <a:off x="574607" y="308193"/>
+            <a:ext cx="12494037" cy="508102"/>
           </a:xfrm>
           <a:prstGeom prst="rect">
             <a:avLst/>
@@ -3855,7 +3822,7 @@
           <a:lstStyle/>
           <a:p>
             <a:pPr>
-              <a:defRPr sz="2100">
+              <a:defRPr sz="2500">
                 <a:latin typeface="Microsoft YaHei"/>
               </a:defRPr>
             </a:pPr>
@@ -3881,8 +3848,8 @@
         </p:blipFill>
         <p:spPr>
           <a:xfrm>
-            <a:off x="1885892" y="1118424"/>
-            <a:ext cx="3418180" cy="3872752"/>
+            <a:off x="1885892" y="1116160"/>
+            <a:ext cx="3418180" cy="3864913"/>
           </a:xfrm>
           <a:prstGeom prst="rect">
             <a:avLst/>
@@ -3891,7 +3858,7 @@
       </p:pic>
       <p:pic>
         <p:nvPicPr>
-          <p:cNvPr id="4" name="Picture 3" descr="85dddbc5c7fc454b61fe935ec40dbaaeaa10d3484a686fd947bcd26ae193cdac.jpg"/>
+          <p:cNvPr id="4" name="Picture 3" descr="ebbda4f62ec7ffaaa622d1376b6d1ca10f7c186ad1cdc14936d826f86cc8e96a.jpg"/>
           <p:cNvPicPr>
             <a:picLocks noChangeAspect="1"/>
           </p:cNvPicPr>
@@ -3905,8 +3872,8 @@
         </p:blipFill>
         <p:spPr>
           <a:xfrm>
-            <a:off x="589341" y="5124720"/>
-            <a:ext cx="3005641" cy="2829446"/>
+            <a:off x="589341" y="5106017"/>
+            <a:ext cx="3005641" cy="2832048"/>
           </a:xfrm>
           <a:prstGeom prst="rect">
             <a:avLst/>
@@ -3915,7 +3882,7 @@
       </p:pic>
       <p:pic>
         <p:nvPicPr>
-          <p:cNvPr id="5" name="Picture 4" descr="4d69b2eab21e8664f124ac4dbc7d90d30db1c08a0354b459aaf2092da6929fc1.jpg"/>
+          <p:cNvPr id="5" name="Picture 4" descr="5834e1a3cc1622b7d7db284d95f9383761e0745112babefa286b085931a7af1f.jpg"/>
           <p:cNvPicPr>
             <a:picLocks noChangeAspect="1"/>
           </p:cNvPicPr>
@@ -3929,8 +3896,8 @@
         </p:blipFill>
         <p:spPr>
           <a:xfrm>
-            <a:off x="4051722" y="5124720"/>
-            <a:ext cx="2519434" cy="2829446"/>
+            <a:off x="4051722" y="5106017"/>
+            <a:ext cx="2519434" cy="2832048"/>
           </a:xfrm>
           <a:prstGeom prst="rect">
             <a:avLst/>
@@ -3945,8 +3912,8 @@
         </p:nvSpPr>
         <p:spPr>
           <a:xfrm>
-            <a:off x="7307833" y="1068345"/>
-            <a:ext cx="2887772" cy="350550"/>
+            <a:off x="7307833" y="1066182"/>
+            <a:ext cx="2887772" cy="349841"/>
           </a:xfrm>
           <a:prstGeom prst="rect">
             <a:avLst/>
@@ -3960,7 +3927,7 @@
           <a:lstStyle/>
           <a:p>
             <a:pPr>
-              <a:defRPr sz="1500">
+              <a:defRPr sz="1800">
                 <a:latin typeface="Microsoft YaHei"/>
               </a:defRPr>
             </a:pPr>
@@ -3978,8 +3945,8 @@
         </p:nvSpPr>
         <p:spPr>
           <a:xfrm>
-            <a:off x="7366767" y="1477321"/>
-            <a:ext cx="6851093" cy="592597"/>
+            <a:off x="7366767" y="1474331"/>
+            <a:ext cx="6851093" cy="591398"/>
           </a:xfrm>
           <a:prstGeom prst="rect">
             <a:avLst/>
@@ -3993,7 +3960,7 @@
           <a:lstStyle/>
           <a:p>
             <a:pPr>
-              <a:defRPr sz="1700">
+              <a:defRPr sz="2000">
                 <a:latin typeface="Microsoft YaHei"/>
               </a:defRPr>
             </a:pPr>
@@ -4011,8 +3978,8 @@
         </p:nvSpPr>
         <p:spPr>
           <a:xfrm>
-            <a:off x="7293099" y="2170077"/>
-            <a:ext cx="3167709" cy="333858"/>
+            <a:off x="7293099" y="2165684"/>
+            <a:ext cx="3167709" cy="333182"/>
           </a:xfrm>
           <a:prstGeom prst="rect">
             <a:avLst/>
@@ -4026,7 +3993,7 @@
           <a:lstStyle/>
           <a:p>
             <a:pPr>
-              <a:defRPr sz="1400">
+              <a:defRPr sz="1700">
                 <a:latin typeface="Microsoft YaHei"/>
               </a:defRPr>
             </a:pPr>
@@ -4044,8 +4011,8 @@
         </p:nvSpPr>
         <p:spPr>
           <a:xfrm>
-            <a:off x="7366767" y="2562360"/>
-            <a:ext cx="6747958" cy="592597"/>
+            <a:off x="7366767" y="2557173"/>
+            <a:ext cx="6747958" cy="591398"/>
           </a:xfrm>
           <a:prstGeom prst="rect">
             <a:avLst/>
@@ -4059,7 +4026,7 @@
           <a:lstStyle/>
           <a:p>
             <a:pPr>
-              <a:defRPr sz="1600">
+              <a:defRPr sz="1900">
                 <a:latin typeface="Microsoft YaHei"/>
               </a:defRPr>
             </a:pPr>
@@ -4077,8 +4044,8 @@
         </p:nvSpPr>
         <p:spPr>
           <a:xfrm>
-            <a:off x="7293099" y="3246769"/>
-            <a:ext cx="3447647" cy="342204"/>
+            <a:off x="7293099" y="3240196"/>
+            <a:ext cx="3447647" cy="341511"/>
           </a:xfrm>
           <a:prstGeom prst="rect">
             <a:avLst/>
@@ -4092,7 +4059,7 @@
           <a:lstStyle/>
           <a:p>
             <a:pPr>
-              <a:defRPr sz="1500">
+              <a:defRPr sz="1700">
                 <a:latin typeface="Microsoft YaHei"/>
               </a:defRPr>
             </a:pPr>
@@ -4110,8 +4077,8 @@
         </p:nvSpPr>
         <p:spPr>
           <a:xfrm>
-            <a:off x="7366767" y="3655745"/>
-            <a:ext cx="6630090" cy="292125"/>
+            <a:off x="7366767" y="3648344"/>
+            <a:ext cx="6630090" cy="291534"/>
           </a:xfrm>
           <a:prstGeom prst="rect">
             <a:avLst/>
@@ -4125,7 +4092,7 @@
           <a:lstStyle/>
           <a:p>
             <a:pPr>
-              <a:defRPr sz="1300">
+              <a:defRPr sz="1500">
                 <a:latin typeface="Microsoft YaHei"/>
               </a:defRPr>
             </a:pPr>
@@ -4151,8 +4118,8 @@
         </p:blipFill>
         <p:spPr>
           <a:xfrm>
-            <a:off x="7366767" y="4048028"/>
-            <a:ext cx="3432913" cy="2003148"/>
+            <a:off x="7366767" y="4039834"/>
+            <a:ext cx="3432913" cy="1999093"/>
           </a:xfrm>
           <a:prstGeom prst="rect">
             <a:avLst/>
@@ -4175,8 +4142,8 @@
         </p:blipFill>
         <p:spPr>
           <a:xfrm>
-            <a:off x="10873348" y="4048028"/>
-            <a:ext cx="3432913" cy="1986455"/>
+            <a:off x="10873348" y="4039834"/>
+            <a:ext cx="3432913" cy="1982434"/>
           </a:xfrm>
           <a:prstGeom prst="rect">
             <a:avLst/>
@@ -4191,8 +4158,41 @@
         </p:nvSpPr>
         <p:spPr>
           <a:xfrm>
-            <a:off x="10873348" y="6126294"/>
-            <a:ext cx="604074" cy="183621"/>
+            <a:off x="10873348" y="6113893"/>
+            <a:ext cx="604074" cy="183250"/>
+          </a:xfrm>
+          <a:prstGeom prst="rect">
+            <a:avLst/>
+          </a:prstGeom>
+          <a:noFill/>
+        </p:spPr>
+        <p:txBody>
+          <a:bodyPr wrap="none">
+            <a:spAutoFit/>
+          </a:bodyPr>
+          <a:lstStyle/>
+          <a:p>
+            <a:pPr>
+              <a:defRPr sz="1000">
+                <a:latin typeface="Microsoft YaHei"/>
+              </a:defRPr>
+            </a:pPr>
+            <a:r>
+              <a:t>车牌模式</a:t>
+            </a:r>
+          </a:p>
+        </p:txBody>
+      </p:sp>
+      <p:sp>
+        <p:nvSpPr>
+          <p:cNvPr id="15" name="TextBox 14"/>
+          <p:cNvSpPr txBox="1"/>
+          <p:nvPr/>
+        </p:nvSpPr>
+        <p:spPr>
+          <a:xfrm>
+            <a:off x="10873348" y="6338791"/>
+            <a:ext cx="2327898" cy="166591"/>
           </a:xfrm>
           <a:prstGeom prst="rect">
             <a:avLst/>
@@ -4211,21 +4211,21 @@
               </a:defRPr>
             </a:pPr>
             <a:r>
-              <a:t>车牌模式</a:t>
-            </a:r>
-          </a:p>
-        </p:txBody>
-      </p:sp>
-      <p:sp>
-        <p:nvSpPr>
-          <p:cNvPr id="15" name="TextBox 14"/>
+              <a:t>智能调节曝光，防止车牌过曝，看清车牌信息</a:t>
+            </a:r>
+          </a:p>
+        </p:txBody>
+      </p:sp>
+      <p:sp>
+        <p:nvSpPr>
+          <p:cNvPr id="16" name="TextBox 15"/>
           <p:cNvSpPr txBox="1"/>
           <p:nvPr/>
         </p:nvSpPr>
         <p:spPr>
           <a:xfrm>
-            <a:off x="10873348" y="6351648"/>
-            <a:ext cx="2327898" cy="166929"/>
+            <a:off x="10873348" y="6538700"/>
+            <a:ext cx="3418180" cy="158261"/>
           </a:xfrm>
           <a:prstGeom prst="rect">
             <a:avLst/>
@@ -4244,21 +4244,21 @@
               </a:defRPr>
             </a:pPr>
             <a:r>
-              <a:t>智能调节曝光，防止车牌过曝，看清车牌信息</a:t>
-            </a:r>
-          </a:p>
-        </p:txBody>
-      </p:sp>
-      <p:sp>
-        <p:nvSpPr>
-          <p:cNvPr id="16" name="TextBox 15"/>
+              <a:t>*车牌模式仅在白光补光模式下正常生效，使用车牌模式的调光切换到白光补光</a:t>
+            </a:r>
+          </a:p>
+        </p:txBody>
+      </p:sp>
+      <p:sp>
+        <p:nvSpPr>
+          <p:cNvPr id="17" name="TextBox 16"/>
           <p:cNvSpPr txBox="1"/>
           <p:nvPr/>
         </p:nvSpPr>
         <p:spPr>
           <a:xfrm>
-            <a:off x="10873348" y="6551963"/>
-            <a:ext cx="3418180" cy="158582"/>
+            <a:off x="7366767" y="6863553"/>
+            <a:ext cx="1753290" cy="333182"/>
           </a:xfrm>
           <a:prstGeom prst="rect">
             <a:avLst/>
@@ -4272,26 +4272,26 @@
           <a:lstStyle/>
           <a:p>
             <a:pPr>
-              <a:defRPr sz="600">
+              <a:defRPr sz="1700">
                 <a:latin typeface="Microsoft YaHei"/>
               </a:defRPr>
             </a:pPr>
             <a:r>
-              <a:t>*车牌模式仅在白光补光模式下正常生效，使用车牌模式的调光切换到白光补光</a:t>
-            </a:r>
-          </a:p>
-        </p:txBody>
-      </p:sp>
-      <p:sp>
-        <p:nvSpPr>
-          <p:cNvPr id="17" name="TextBox 16"/>
+              <a:t>4. 夜视与覆盖</a:t>
+            </a:r>
+          </a:p>
+        </p:txBody>
+      </p:sp>
+      <p:sp>
+        <p:nvSpPr>
+          <p:cNvPr id="18" name="TextBox 17"/>
           <p:cNvSpPr txBox="1"/>
           <p:nvPr/>
         </p:nvSpPr>
         <p:spPr>
           <a:xfrm>
-            <a:off x="7366767" y="6877475"/>
-            <a:ext cx="1753290" cy="333858"/>
+            <a:off x="7366767" y="7296689"/>
+            <a:ext cx="4434793" cy="658034"/>
           </a:xfrm>
           <a:prstGeom prst="rect">
             <a:avLst/>
@@ -4305,26 +4305,30 @@
           <a:lstStyle/>
           <a:p>
             <a:pPr>
-              <a:defRPr sz="1400">
+              <a:defRPr sz="1500">
                 <a:latin typeface="Microsoft YaHei"/>
               </a:defRPr>
             </a:pPr>
             <a:r>
-              <a:t>4. 夜视与覆盖</a:t>
-            </a:r>
-          </a:p>
-        </p:txBody>
-      </p:sp>
-      <p:sp>
-        <p:nvSpPr>
-          <p:cNvPr id="18" name="TextBox 17"/>
+              <a:t>- 2暖光+2红外，支持白光震慑。</a:t>
+            </a:r>
+            <a:br/>
+            <a:r>
+              <a:t>- 调节角度：水平  360°  /垂直  75°  全方位覆盖。</a:t>
+            </a:r>
+          </a:p>
+        </p:txBody>
+      </p:sp>
+      <p:sp>
+        <p:nvSpPr>
+          <p:cNvPr id="19" name="TextBox 18"/>
           <p:cNvSpPr txBox="1"/>
           <p:nvPr/>
         </p:nvSpPr>
         <p:spPr>
           <a:xfrm>
-            <a:off x="7366767" y="7311490"/>
-            <a:ext cx="4434793" cy="642676"/>
+            <a:off x="7322566" y="6038927"/>
+            <a:ext cx="589341" cy="191579"/>
           </a:xfrm>
           <a:prstGeom prst="rect">
             <a:avLst/>
@@ -4332,7 +4336,7 @@
           <a:noFill/>
         </p:spPr>
         <p:txBody>
-          <a:bodyPr wrap="square">
+          <a:bodyPr wrap="none">
             <a:spAutoFit/>
           </a:bodyPr>
           <a:lstStyle/>
@@ -4343,44 +4347,7 @@
               </a:defRPr>
             </a:pPr>
             <a:r>
-              <a:t>- 2暖光+2红外，支持白光震慑。</a:t>
-            </a:r>
-            <a:br/>
-            <a:r>
-              <a:t>- 调节角度：水平  $360^{\circ}$  /垂直  $75^{\circ}$  全方位覆盖。</a:t>
-            </a:r>
-          </a:p>
-        </p:txBody>
-      </p:sp>
-      <p:sp>
-        <p:nvSpPr>
-          <p:cNvPr id="19" name="TextBox 18"/>
-          <p:cNvSpPr txBox="1"/>
-          <p:nvPr/>
-        </p:nvSpPr>
-        <p:spPr>
-          <a:xfrm>
-            <a:off x="13554851" y="8079363"/>
-            <a:ext cx="1075548" cy="150236"/>
-          </a:xfrm>
-          <a:prstGeom prst="rect">
-            <a:avLst/>
-          </a:prstGeom>
-          <a:noFill/>
-        </p:spPr>
-        <p:txBody>
-          <a:bodyPr wrap="square">
-            <a:spAutoFit/>
-          </a:bodyPr>
-          <a:lstStyle/>
-          <a:p>
-            <a:pPr>
-              <a:defRPr sz="600">
-                <a:latin typeface="Microsoft YaHei"/>
-              </a:defRPr>
-            </a:pPr>
-            <a:r>
-              <a:t>NotebookLM</a:t>
+              <a:t>普通模式</a:t>
             </a:r>
           </a:p>
         </p:txBody>
@@ -4426,7 +4393,7 @@
           <a:lstStyle/>
           <a:p>
             <a:pPr>
-              <a:defRPr sz="2900">
+              <a:defRPr sz="3500">
                 <a:latin typeface="Microsoft YaHei"/>
               </a:defRPr>
             </a:pPr>
@@ -4460,30 +4427,236 @@
           </a:prstGeom>
         </p:spPr>
       </p:pic>
-      <p:pic>
-        <p:nvPicPr>
-          <p:cNvPr id="4" name="Picture 3" descr="e665a80d25e40c2ef5dfd78fbd9cd188acd7be59a7e4f136ae57e528fc4ea2d5.jpg"/>
-          <p:cNvPicPr>
-            <a:picLocks noChangeAspect="1"/>
-          </p:cNvPicPr>
-          <p:nvPr/>
-        </p:nvPicPr>
-        <p:blipFill>
-          <a:blip r:embed="rId3"/>
-          <a:stretch>
-            <a:fillRect/>
-          </a:stretch>
-        </p:blipFill>
-        <p:spPr>
-          <a:xfrm>
-            <a:off x="766143" y="4218814"/>
-            <a:ext cx="13171780" cy="2604514"/>
-          </a:xfrm>
-          <a:prstGeom prst="rect">
-            <a:avLst/>
-          </a:prstGeom>
-        </p:spPr>
-      </p:pic>
+      <p:graphicFrame>
+        <p:nvGraphicFramePr>
+          <p:cNvPr id="4" name="Table 3"/>
+          <p:cNvGraphicFramePr>
+            <a:graphicFrameLocks noGrp="1"/>
+          </p:cNvGraphicFramePr>
+          <p:nvPr/>
+        </p:nvGraphicFramePr>
+        <p:xfrm>
+          <a:off x="766143" y="4218814"/>
+          <a:ext cx="13171780" cy="2604514"/>
+        </p:xfrm>
+        <a:graphic>
+          <a:graphicData uri="http://schemas.openxmlformats.org/drawingml/2006/table">
+            <a:tbl>
+              <a:tblPr firstRow="1" bandRow="1">
+                <a:tableStyleId>{5C22544A-7EE6-4342-B048-85BDC9FD1C3A}</a:tableStyleId>
+              </a:tblPr>
+              <a:tblGrid>
+                <a:gridCol w="6585890"/>
+                <a:gridCol w="6585890"/>
+              </a:tblGrid>
+              <a:tr h="434085">
+                <a:tc>
+                  <a:txBody>
+                    <a:bodyPr wrap="square"/>
+                    <a:lstStyle/>
+                    <a:p>
+                      <a:pPr algn="ctr"/>
+                      <a:r>
+                        <a:rPr sz="1600" b="1">
+                          <a:latin typeface="Microsoft YaHei"/>
+                        </a:rPr>
+                        <a:t>镜头毫米数</a:t>
+                      </a:r>
+                    </a:p>
+                  </a:txBody>
+                  <a:tcPr anchor="ctr"/>
+                </a:tc>
+                <a:tc>
+                  <a:txBody>
+                    <a:bodyPr wrap="square"/>
+                    <a:lstStyle/>
+                    <a:p>
+                      <a:pPr algn="ctr"/>
+                      <a:r>
+                        <a:rPr sz="1600" b="1">
+                          <a:latin typeface="Microsoft YaHei"/>
+                        </a:rPr>
+                        <a:t>适用场景推荐</a:t>
+                      </a:r>
+                    </a:p>
+                  </a:txBody>
+                  <a:tcPr anchor="ctr"/>
+                </a:tc>
+              </a:tr>
+              <a:tr h="434085">
+                <a:tc>
+                  <a:txBody>
+                    <a:bodyPr wrap="square"/>
+                    <a:lstStyle/>
+                    <a:p>
+                      <a:pPr algn="ctr"/>
+                      <a:r>
+                        <a:rPr sz="1600">
+                          <a:latin typeface="Microsoft YaHei"/>
+                        </a:rPr>
+                        <a:t>2.8mm</a:t>
+                      </a:r>
+                    </a:p>
+                  </a:txBody>
+                  <a:tcPr anchor="ctr"/>
+                </a:tc>
+                <a:tc>
+                  <a:txBody>
+                    <a:bodyPr wrap="square"/>
+                    <a:lstStyle/>
+                    <a:p>
+                      <a:pPr algn="ctr"/>
+                      <a:r>
+                        <a:rPr sz="1600">
+                          <a:latin typeface="Microsoft YaHei"/>
+                        </a:rPr>
+                        <a:t>适用：车库、储藏室、电梯（狭小空间）</a:t>
+                      </a:r>
+                    </a:p>
+                  </a:txBody>
+                  <a:tcPr anchor="ctr"/>
+                </a:tc>
+              </a:tr>
+              <a:tr h="434085">
+                <a:tc>
+                  <a:txBody>
+                    <a:bodyPr wrap="square"/>
+                    <a:lstStyle/>
+                    <a:p>
+                      <a:pPr algn="ctr"/>
+                      <a:r>
+                        <a:rPr sz="1600">
+                          <a:latin typeface="Microsoft YaHei"/>
+                        </a:rPr>
+                        <a:t>4mm</a:t>
+                      </a:r>
+                    </a:p>
+                  </a:txBody>
+                  <a:tcPr anchor="ctr"/>
+                </a:tc>
+                <a:tc>
+                  <a:txBody>
+                    <a:bodyPr wrap="square"/>
+                    <a:lstStyle/>
+                    <a:p>
+                      <a:pPr algn="ctr"/>
+                      <a:r>
+                        <a:rPr sz="1600">
+                          <a:latin typeface="Microsoft YaHei"/>
+                        </a:rPr>
+                        <a:t>适用：家庭室内客厅、小商铺</a:t>
+                      </a:r>
+                    </a:p>
+                  </a:txBody>
+                  <a:tcPr anchor="ctr"/>
+                </a:tc>
+              </a:tr>
+              <a:tr h="434085">
+                <a:tc>
+                  <a:txBody>
+                    <a:bodyPr wrap="square"/>
+                    <a:lstStyle/>
+                    <a:p>
+                      <a:pPr algn="ctr"/>
+                      <a:r>
+                        <a:rPr sz="1600">
+                          <a:latin typeface="Microsoft YaHei"/>
+                        </a:rPr>
+                        <a:t>6mm</a:t>
+                      </a:r>
+                    </a:p>
+                  </a:txBody>
+                  <a:tcPr anchor="ctr"/>
+                </a:tc>
+                <a:tc>
+                  <a:txBody>
+                    <a:bodyPr wrap="square"/>
+                    <a:lstStyle/>
+                    <a:p>
+                      <a:pPr algn="ctr"/>
+                      <a:r>
+                        <a:rPr sz="1600">
+                          <a:latin typeface="Microsoft YaHei"/>
+                        </a:rPr>
+                        <a:t>适用：庭院、门口、阳台</a:t>
+                      </a:r>
+                    </a:p>
+                  </a:txBody>
+                  <a:tcPr anchor="ctr"/>
+                </a:tc>
+              </a:tr>
+              <a:tr h="434085">
+                <a:tc>
+                  <a:txBody>
+                    <a:bodyPr wrap="square"/>
+                    <a:lstStyle/>
+                    <a:p>
+                      <a:pPr algn="ctr"/>
+                      <a:r>
+                        <a:rPr sz="1600">
+                          <a:latin typeface="Microsoft YaHei"/>
+                        </a:rPr>
+                        <a:t>8mm</a:t>
+                      </a:r>
+                    </a:p>
+                  </a:txBody>
+                  <a:tcPr anchor="ctr"/>
+                </a:tc>
+                <a:tc>
+                  <a:txBody>
+                    <a:bodyPr wrap="square"/>
+                    <a:lstStyle/>
+                    <a:p>
+                      <a:pPr algn="ctr"/>
+                      <a:r>
+                        <a:rPr sz="1600">
+                          <a:latin typeface="Microsoft YaHei"/>
+                        </a:rPr>
+                        <a:t>适用：室外道路、长胡同</a:t>
+                      </a:r>
+                    </a:p>
+                  </a:txBody>
+                  <a:tcPr anchor="ctr"/>
+                </a:tc>
+              </a:tr>
+              <a:tr h="434089">
+                <a:tc>
+                  <a:txBody>
+                    <a:bodyPr wrap="square"/>
+                    <a:lstStyle/>
+                    <a:p>
+                      <a:pPr algn="ctr"/>
+                      <a:r>
+                        <a:rPr sz="1600">
+                          <a:latin typeface="Microsoft YaHei"/>
+                        </a:rPr>
+                        <a:t>12mm/16mm</a:t>
+                      </a:r>
+                    </a:p>
+                  </a:txBody>
+                  <a:tcPr anchor="ctr"/>
+                </a:tc>
+                <a:tc>
+                  <a:txBody>
+                    <a:bodyPr wrap="square"/>
+                    <a:lstStyle/>
+                    <a:p>
+                      <a:pPr algn="ctr"/>
+                      <a:r>
+                        <a:rPr sz="1600">
+                          <a:latin typeface="Microsoft YaHei"/>
+                        </a:rPr>
+                        <a:t>适用：远端车位、特定远距离监控</a:t>
+                      </a:r>
+                    </a:p>
+                  </a:txBody>
+                  <a:tcPr anchor="ctr"/>
+                </a:tc>
+              </a:tr>
+            </a:tbl>
+          </a:graphicData>
+        </a:graphic>
+      </p:graphicFrame>
       <p:sp>
         <p:nvSpPr>
           <p:cNvPr id="5" name="TextBox 4"/>
@@ -4507,7 +4680,7 @@
           <a:lstStyle/>
           <a:p>
             <a:pPr>
-              <a:defRPr sz="2000">
+              <a:defRPr sz="2400">
                 <a:latin typeface="Microsoft YaHei"/>
               </a:defRPr>
             </a:pPr>
@@ -4525,8 +4698,8 @@
         </p:nvSpPr>
         <p:spPr>
           <a:xfrm>
-            <a:off x="13554851" y="8054856"/>
-            <a:ext cx="1075548" cy="174743"/>
+            <a:off x="5716611" y="1397950"/>
+            <a:ext cx="3167709" cy="357808"/>
           </a:xfrm>
           <a:prstGeom prst="rect">
             <a:avLst/>
@@ -4540,12 +4713,12 @@
           <a:lstStyle/>
           <a:p>
             <a:pPr>
-              <a:defRPr sz="700">
+              <a:defRPr sz="1400">
                 <a:latin typeface="Microsoft YaHei"/>
               </a:defRPr>
             </a:pPr>
             <a:r>
-              <a:t>NotebookLM</a:t>
+              <a:t>Cone of Vision Diagram</a:t>
             </a:r>
           </a:p>
         </p:txBody>
@@ -4576,8 +4749,8 @@
         </p:nvSpPr>
         <p:spPr>
           <a:xfrm>
-            <a:off x="766143" y="382385"/>
-            <a:ext cx="8722252" cy="598516"/>
+            <a:off x="766143" y="383159"/>
+            <a:ext cx="8722252" cy="599727"/>
           </a:xfrm>
           <a:prstGeom prst="rect">
             <a:avLst/>
@@ -4591,19 +4764,52 @@
           <a:lstStyle/>
           <a:p>
             <a:pPr>
-              <a:defRPr sz="2800">
+              <a:defRPr sz="3300">
                 <a:latin typeface="Microsoft YaHei"/>
               </a:defRPr>
             </a:pPr>
             <a:r>
               <a:t>【存储宝典】像素区别与存储容量的关系</a:t>
+            </a:r>
+          </a:p>
+        </p:txBody>
+      </p:sp>
+      <p:sp>
+        <p:nvSpPr>
+          <p:cNvPr id="3" name="TextBox 2"/>
+          <p:cNvSpPr txBox="1"/>
+          <p:nvPr/>
+        </p:nvSpPr>
+        <p:spPr>
+          <a:xfrm>
+            <a:off x="574607" y="1565956"/>
+            <a:ext cx="4169590" cy="399818"/>
+          </a:xfrm>
+          <a:prstGeom prst="rect">
+            <a:avLst/>
+          </a:prstGeom>
+          <a:noFill/>
+        </p:spPr>
+        <p:txBody>
+          <a:bodyPr wrap="square">
+            <a:spAutoFit/>
+          </a:bodyPr>
+          <a:lstStyle/>
+          <a:p>
+            <a:pPr>
+              <a:defRPr sz="1900">
+                <a:latin typeface="Microsoft YaHei"/>
+              </a:defRPr>
+            </a:pPr>
+            <a:r>
+              <a:t>画质差异：200W vs 400W</a:t>
             </a:r>
           </a:p>
         </p:txBody>
       </p:sp>
       <p:pic>
         <p:nvPicPr>
-          <p:cNvPr id="3" name="Picture 2" descr="85bbfba0ec6e277396a1d58c613af5cc66bccae1a7e2ae9a29b3b7a3246ba86c.jpg"/>
+          <p:cNvPr id="4" name="Picture 3" descr="b4be23d0d637551ab8aa7b3691cb323077140b6bb216a684e829e21247ff773c.jpg"/>
           <p:cNvPicPr>
             <a:picLocks noChangeAspect="1"/>
           </p:cNvPicPr>
@@ -4617,8 +4823,8 @@
         </p:blipFill>
         <p:spPr>
           <a:xfrm>
-            <a:off x="589341" y="2310938"/>
-            <a:ext cx="3197177" cy="3807229"/>
+            <a:off x="604074" y="2323945"/>
+            <a:ext cx="3182443" cy="3806606"/>
           </a:xfrm>
           <a:prstGeom prst="rect">
             <a:avLst/>
@@ -4627,7 +4833,7 @@
       </p:pic>
       <p:pic>
         <p:nvPicPr>
-          <p:cNvPr id="4" name="Picture 3" descr="e3ffca18764ce14aed4d17500c122b1a76e06b47b43822e42311fcf502fb8707.jpg"/>
+          <p:cNvPr id="5" name="Picture 4" descr="08f7791ff5de98469ab3fa0aabbfa7062eec7f4d578176efe1c32a84a45953f8.jpg"/>
           <p:cNvPicPr>
             <a:picLocks noChangeAspect="1"/>
           </p:cNvPicPr>
@@ -4641,8 +4847,8 @@
         </p:blipFill>
         <p:spPr>
           <a:xfrm>
-            <a:off x="3786518" y="2310938"/>
-            <a:ext cx="3182443" cy="3807229"/>
+            <a:off x="3786518" y="2323945"/>
+            <a:ext cx="3182443" cy="3806606"/>
           </a:xfrm>
           <a:prstGeom prst="rect">
             <a:avLst/>
@@ -4651,14 +4857,14 @@
       </p:pic>
       <p:sp>
         <p:nvSpPr>
-          <p:cNvPr id="5" name="TextBox 4"/>
+          <p:cNvPr id="6" name="TextBox 5"/>
           <p:cNvSpPr txBox="1"/>
           <p:nvPr/>
         </p:nvSpPr>
         <p:spPr>
           <a:xfrm>
-            <a:off x="648275" y="6608618"/>
-            <a:ext cx="6173351" cy="789709"/>
+            <a:off x="648275" y="6621995"/>
+            <a:ext cx="6173351" cy="791307"/>
           </a:xfrm>
           <a:prstGeom prst="rect">
             <a:avLst/>
@@ -4672,19 +4878,52 @@
           <a:lstStyle/>
           <a:p>
             <a:pPr>
-              <a:defRPr sz="1800">
+              <a:defRPr sz="2100">
                 <a:latin typeface="Microsoft YaHei"/>
               </a:defRPr>
             </a:pPr>
             <a:r>
               <a:t>400W像素提供更多面部/车牌细节，但码流更大，普通H.265录像每天需40GB+。</a:t>
+            </a:r>
+          </a:p>
+        </p:txBody>
+      </p:sp>
+      <p:sp>
+        <p:nvSpPr>
+          <p:cNvPr id="7" name="TextBox 6"/>
+          <p:cNvSpPr txBox="1"/>
+          <p:nvPr/>
+        </p:nvSpPr>
+        <p:spPr>
+          <a:xfrm>
+            <a:off x="7587770" y="1565956"/>
+            <a:ext cx="6497488" cy="449795"/>
+          </a:xfrm>
+          <a:prstGeom prst="rect">
+            <a:avLst/>
+          </a:prstGeom>
+          <a:noFill/>
+        </p:spPr>
+        <p:txBody>
+          <a:bodyPr wrap="square">
+            <a:spAutoFit/>
+          </a:bodyPr>
+          <a:lstStyle/>
+          <a:p>
+            <a:pPr>
+              <a:defRPr sz="2000">
+                <a:latin typeface="Microsoft YaHei"/>
+              </a:defRPr>
+            </a:pPr>
+            <a:r>
+              <a:t>TP-LINK黑科技：Super H.265+智能编码</a:t>
             </a:r>
           </a:p>
         </p:txBody>
       </p:sp>
       <p:pic>
         <p:nvPicPr>
-          <p:cNvPr id="6" name="Picture 5" descr="4701477c861eace94917a2542cb15eac21a7dd71dcb006632e2fc8215bfefbd9.jpg"/>
+          <p:cNvPr id="8" name="Picture 7" descr="ea42d0f748e4d16f71b0c7cb50fa0940823a5cf8a49603d101daef67dea82f03.jpg"/>
           <p:cNvPicPr>
             <a:picLocks noChangeAspect="1"/>
           </p:cNvPicPr>
@@ -4698,8 +4937,8 @@
         </p:blipFill>
         <p:spPr>
           <a:xfrm>
-            <a:off x="7469902" y="2460567"/>
-            <a:ext cx="6718491" cy="3458094"/>
+            <a:off x="7469902" y="2465548"/>
+            <a:ext cx="6689024" cy="3465094"/>
           </a:xfrm>
           <a:prstGeom prst="rect">
             <a:avLst/>
@@ -4708,14 +4947,14 @@
       </p:pic>
       <p:sp>
         <p:nvSpPr>
-          <p:cNvPr id="7" name="TextBox 6"/>
+          <p:cNvPr id="9" name="TextBox 8"/>
           <p:cNvSpPr txBox="1"/>
           <p:nvPr/>
         </p:nvSpPr>
         <p:spPr>
           <a:xfrm>
-            <a:off x="7646704" y="6608618"/>
-            <a:ext cx="6305952" cy="1180407"/>
+            <a:off x="7646704" y="6621995"/>
+            <a:ext cx="6305952" cy="1182796"/>
           </a:xfrm>
           <a:prstGeom prst="rect">
             <a:avLst/>
@@ -4729,45 +4968,12 @@
           <a:lstStyle/>
           <a:p>
             <a:pPr>
-              <a:defRPr sz="2100">
+              <a:defRPr sz="2500">
                 <a:latin typeface="Microsoft YaHei"/>
               </a:defRPr>
             </a:pPr>
             <a:r>
               <a:t>TP-SRC码控算法：摄像头根据环境复杂度动态调整码率。在保证画质前提下，大幅降低硬盘成本。</a:t>
-            </a:r>
-          </a:p>
-        </p:txBody>
-      </p:sp>
-      <p:sp>
-        <p:nvSpPr>
-          <p:cNvPr id="8" name="TextBox 7"/>
-          <p:cNvSpPr txBox="1"/>
-          <p:nvPr/>
-        </p:nvSpPr>
-        <p:spPr>
-          <a:xfrm>
-            <a:off x="13554851" y="8046720"/>
-            <a:ext cx="1075548" cy="182880"/>
-          </a:xfrm>
-          <a:prstGeom prst="rect">
-            <a:avLst/>
-          </a:prstGeom>
-          <a:noFill/>
-        </p:spPr>
-        <p:txBody>
-          <a:bodyPr wrap="square">
-            <a:spAutoFit/>
-          </a:bodyPr>
-          <a:lstStyle/>
-          <a:p>
-            <a:pPr>
-              <a:defRPr sz="800">
-                <a:latin typeface="Microsoft YaHei"/>
-              </a:defRPr>
-            </a:pPr>
-            <a:r>
-              <a:t>NotebookLM</a:t>
             </a:r>
           </a:p>
         </p:txBody>
@@ -4813,7 +5019,7 @@
           <a:lstStyle/>
           <a:p>
             <a:pPr>
-              <a:defRPr sz="3400">
+              <a:defRPr sz="4000">
                 <a:latin typeface="Microsoft YaHei"/>
               </a:defRPr>
             </a:pPr>
@@ -4864,46 +5070,46 @@
           <a:noFill/>
         </p:spPr>
         <p:txBody>
+          <a:bodyPr wrap="none">
+            <a:spAutoFit/>
+          </a:bodyPr>
+          <a:lstStyle/>
+          <a:p>
+            <a:pPr>
+              <a:defRPr sz="2400">
+                <a:latin typeface="Microsoft YaHei"/>
+              </a:defRPr>
+            </a:pPr>
+            <a:r>
+              <a:t>画质革新</a:t>
+            </a:r>
+          </a:p>
+        </p:txBody>
+      </p:sp>
+      <p:sp>
+        <p:nvSpPr>
+          <p:cNvPr id="5" name="TextBox 4"/>
+          <p:cNvSpPr txBox="1"/>
+          <p:nvPr/>
+        </p:nvSpPr>
+        <p:spPr>
+          <a:xfrm>
+            <a:off x="1119748" y="4480560"/>
+            <a:ext cx="2666769" cy="1022465"/>
+          </a:xfrm>
+          <a:prstGeom prst="rect">
+            <a:avLst/>
+          </a:prstGeom>
+          <a:noFill/>
+        </p:spPr>
+        <p:txBody>
           <a:bodyPr wrap="square">
             <a:spAutoFit/>
           </a:bodyPr>
           <a:lstStyle/>
           <a:p>
             <a:pPr>
-              <a:defRPr sz="2100">
-                <a:latin typeface="Microsoft YaHei"/>
-              </a:defRPr>
-            </a:pPr>
-            <a:r>
-              <a:t>画质革新</a:t>
-            </a:r>
-          </a:p>
-        </p:txBody>
-      </p:sp>
-      <p:sp>
-        <p:nvSpPr>
-          <p:cNvPr id="5" name="TextBox 4"/>
-          <p:cNvSpPr txBox="1"/>
-          <p:nvPr/>
-        </p:nvSpPr>
-        <p:spPr>
-          <a:xfrm>
-            <a:off x="1119748" y="4480560"/>
-            <a:ext cx="2666769" cy="1022465"/>
-          </a:xfrm>
-          <a:prstGeom prst="rect">
-            <a:avLst/>
-          </a:prstGeom>
-          <a:noFill/>
-        </p:spPr>
-        <p:txBody>
-          <a:bodyPr wrap="square">
-            <a:spAutoFit/>
-          </a:bodyPr>
-          <a:lstStyle/>
-          <a:p>
-            <a:pPr>
-              <a:defRPr sz="1500">
+              <a:defRPr sz="1800">
                 <a:latin typeface="Microsoft YaHei"/>
               </a:defRPr>
             </a:pPr>
@@ -4954,46 +5160,46 @@
           <a:noFill/>
         </p:spPr>
         <p:txBody>
+          <a:bodyPr wrap="none">
+            <a:spAutoFit/>
+          </a:bodyPr>
+          <a:lstStyle/>
+          <a:p>
+            <a:pPr>
+              <a:defRPr sz="2500">
+                <a:latin typeface="Microsoft YaHei"/>
+              </a:defRPr>
+            </a:pPr>
+            <a:r>
+              <a:t>硬件硬核</a:t>
+            </a:r>
+          </a:p>
+        </p:txBody>
+      </p:sp>
+      <p:sp>
+        <p:nvSpPr>
+          <p:cNvPr id="8" name="TextBox 7"/>
+          <p:cNvSpPr txBox="1"/>
+          <p:nvPr/>
+        </p:nvSpPr>
+        <p:spPr>
+          <a:xfrm>
+            <a:off x="4449527" y="4480560"/>
+            <a:ext cx="2607835" cy="1022465"/>
+          </a:xfrm>
+          <a:prstGeom prst="rect">
+            <a:avLst/>
+          </a:prstGeom>
+          <a:noFill/>
+        </p:spPr>
+        <p:txBody>
           <a:bodyPr wrap="square">
             <a:spAutoFit/>
           </a:bodyPr>
           <a:lstStyle/>
           <a:p>
             <a:pPr>
-              <a:defRPr sz="2100">
-                <a:latin typeface="Microsoft YaHei"/>
-              </a:defRPr>
-            </a:pPr>
-            <a:r>
-              <a:t>硬件硬核</a:t>
-            </a:r>
-          </a:p>
-        </p:txBody>
-      </p:sp>
-      <p:sp>
-        <p:nvSpPr>
-          <p:cNvPr id="8" name="TextBox 7"/>
-          <p:cNvSpPr txBox="1"/>
-          <p:nvPr/>
-        </p:nvSpPr>
-        <p:spPr>
-          <a:xfrm>
-            <a:off x="4449527" y="4480560"/>
-            <a:ext cx="2622569" cy="1022465"/>
-          </a:xfrm>
-          <a:prstGeom prst="rect">
-            <a:avLst/>
-          </a:prstGeom>
-          <a:noFill/>
-        </p:spPr>
-        <p:txBody>
-          <a:bodyPr wrap="square">
-            <a:spAutoFit/>
-          </a:bodyPr>
-          <a:lstStyle/>
-          <a:p>
-            <a:pPr>
-              <a:defRPr sz="1600">
+              <a:defRPr sz="1900">
                 <a:latin typeface="Microsoft YaHei"/>
               </a:defRPr>
             </a:pPr>
@@ -5005,7 +5211,7 @@
       </p:sp>
       <p:pic>
         <p:nvPicPr>
-          <p:cNvPr id="9" name="Picture 8" descr="1ed4b8b8261512fc3b74857b61515fc35618a9c1d883e5a727176a9f3d7fd032.jpg"/>
+          <p:cNvPr id="9" name="Picture 8" descr="f21a4cbdde9bcf8eed6c8ace69b2745b6dfc5fe61b03418151ed9d7ca2d7bf6e.jpg"/>
           <p:cNvPicPr>
             <a:picLocks noChangeAspect="1"/>
           </p:cNvPicPr>
@@ -5020,7 +5226,7 @@
         <p:spPr>
           <a:xfrm>
             <a:off x="8530716" y="2743200"/>
-            <a:ext cx="869278" cy="814647"/>
+            <a:ext cx="854545" cy="806334"/>
           </a:xfrm>
           <a:prstGeom prst="rect">
             <a:avLst/>
@@ -5036,7 +5242,40 @@
         <p:spPr>
           <a:xfrm>
             <a:off x="8236045" y="3890356"/>
-            <a:ext cx="1473353" cy="432261"/>
+            <a:ext cx="1458619" cy="432261"/>
+          </a:xfrm>
+          <a:prstGeom prst="rect">
+            <a:avLst/>
+          </a:prstGeom>
+          <a:noFill/>
+        </p:spPr>
+        <p:txBody>
+          <a:bodyPr wrap="none">
+            <a:spAutoFit/>
+          </a:bodyPr>
+          <a:lstStyle/>
+          <a:p>
+            <a:pPr>
+              <a:defRPr sz="2400">
+                <a:latin typeface="Microsoft YaHei"/>
+              </a:defRPr>
+            </a:pPr>
+            <a:r>
+              <a:t>安装灵活</a:t>
+            </a:r>
+          </a:p>
+        </p:txBody>
+      </p:sp>
+      <p:sp>
+        <p:nvSpPr>
+          <p:cNvPr id="11" name="TextBox 10"/>
+          <p:cNvSpPr txBox="1"/>
+          <p:nvPr/>
+        </p:nvSpPr>
+        <p:spPr>
+          <a:xfrm>
+            <a:off x="7720372" y="4480560"/>
+            <a:ext cx="2578368" cy="1022465"/>
           </a:xfrm>
           <a:prstGeom prst="rect">
             <a:avLst/>
@@ -5050,40 +5289,7 @@
           <a:lstStyle/>
           <a:p>
             <a:pPr>
-              <a:defRPr sz="2100">
-                <a:latin typeface="Microsoft YaHei"/>
-              </a:defRPr>
-            </a:pPr>
-            <a:r>
-              <a:t>安装灵活</a:t>
-            </a:r>
-          </a:p>
-        </p:txBody>
-      </p:sp>
-      <p:sp>
-        <p:nvSpPr>
-          <p:cNvPr id="11" name="TextBox 10"/>
-          <p:cNvSpPr txBox="1"/>
-          <p:nvPr/>
-        </p:nvSpPr>
-        <p:spPr>
-          <a:xfrm>
-            <a:off x="7720372" y="4480560"/>
-            <a:ext cx="2578368" cy="1022465"/>
-          </a:xfrm>
-          <a:prstGeom prst="rect">
-            <a:avLst/>
-          </a:prstGeom>
-          <a:noFill/>
-        </p:spPr>
-        <p:txBody>
-          <a:bodyPr wrap="square">
-            <a:spAutoFit/>
-          </a:bodyPr>
-          <a:lstStyle/>
-          <a:p>
-            <a:pPr>
-              <a:defRPr sz="1600">
+              <a:defRPr sz="1900">
                 <a:latin typeface="Microsoft YaHei"/>
               </a:defRPr>
             </a:pPr>
@@ -5095,7 +5301,7 @@
       </p:sp>
       <p:pic>
         <p:nvPicPr>
-          <p:cNvPr id="12" name="Picture 11" descr="eda7e0cb53f34264e44e8b47e3bab6b66da7ee2dfb1b6f0b7b279e2411f53a3f.jpg"/>
+          <p:cNvPr id="12" name="Picture 11" descr="3041252b24171510ca6f1ad6ff4b1e00c833c207f4f3714e96f013a7d0205b86.jpg"/>
           <p:cNvPicPr>
             <a:picLocks noChangeAspect="1"/>
           </p:cNvPicPr>
@@ -5110,7 +5316,7 @@
         <p:spPr>
           <a:xfrm>
             <a:off x="11831028" y="2693323"/>
-            <a:ext cx="766143" cy="931025"/>
+            <a:ext cx="766143" cy="914400"/>
           </a:xfrm>
           <a:prstGeom prst="rect">
             <a:avLst/>
@@ -5126,7 +5332,40 @@
         <p:spPr>
           <a:xfrm>
             <a:off x="11477423" y="3890356"/>
-            <a:ext cx="1488087" cy="432261"/>
+            <a:ext cx="1473353" cy="432261"/>
+          </a:xfrm>
+          <a:prstGeom prst="rect">
+            <a:avLst/>
+          </a:prstGeom>
+          <a:noFill/>
+        </p:spPr>
+        <p:txBody>
+          <a:bodyPr wrap="none">
+            <a:spAutoFit/>
+          </a:bodyPr>
+          <a:lstStyle/>
+          <a:p>
+            <a:pPr>
+              <a:defRPr sz="2500">
+                <a:latin typeface="Microsoft YaHei"/>
+              </a:defRPr>
+            </a:pPr>
+            <a:r>
+              <a:t>降本增效</a:t>
+            </a:r>
+          </a:p>
+        </p:txBody>
+      </p:sp>
+      <p:sp>
+        <p:nvSpPr>
+          <p:cNvPr id="14" name="TextBox 13"/>
+          <p:cNvSpPr txBox="1"/>
+          <p:nvPr/>
+        </p:nvSpPr>
+        <p:spPr>
+          <a:xfrm>
+            <a:off x="10976483" y="4497185"/>
+            <a:ext cx="2445766" cy="1005840"/>
           </a:xfrm>
           <a:prstGeom prst="rect">
             <a:avLst/>
@@ -5140,26 +5379,26 @@
           <a:lstStyle/>
           <a:p>
             <a:pPr>
-              <a:defRPr sz="2100">
+              <a:defRPr sz="1800">
                 <a:latin typeface="Microsoft YaHei"/>
               </a:defRPr>
             </a:pPr>
             <a:r>
-              <a:t>降本增效</a:t>
-            </a:r>
-          </a:p>
-        </p:txBody>
-      </p:sp>
-      <p:sp>
-        <p:nvSpPr>
-          <p:cNvPr id="14" name="TextBox 13"/>
+              <a:t>- Super H.265+ 智能编码，大幅降低存储成本。</a:t>
+            </a:r>
+          </a:p>
+        </p:txBody>
+      </p:sp>
+      <p:sp>
+        <p:nvSpPr>
+          <p:cNvPr id="15" name="TextBox 14"/>
           <p:cNvSpPr txBox="1"/>
           <p:nvPr/>
         </p:nvSpPr>
         <p:spPr>
           <a:xfrm>
-            <a:off x="10976483" y="4497185"/>
-            <a:ext cx="2445766" cy="1005840"/>
+            <a:off x="6394354" y="6650181"/>
+            <a:ext cx="1900625" cy="324196"/>
           </a:xfrm>
           <a:prstGeom prst="rect">
             <a:avLst/>
@@ -5173,26 +5412,26 @@
           <a:lstStyle/>
           <a:p>
             <a:pPr>
-              <a:defRPr sz="1500">
+              <a:defRPr sz="1600">
                 <a:latin typeface="Microsoft YaHei"/>
               </a:defRPr>
             </a:pPr>
             <a:r>
-              <a:t>- Super H.265+ 智能编码，大幅降低存储成本。</a:t>
-            </a:r>
-          </a:p>
-        </p:txBody>
-      </p:sp>
-      <p:sp>
-        <p:nvSpPr>
-          <p:cNvPr id="15" name="TextBox 14"/>
+              <a:t>TP-LINK</a:t>
+            </a:r>
+          </a:p>
+        </p:txBody>
+      </p:sp>
+      <p:sp>
+        <p:nvSpPr>
+          <p:cNvPr id="16" name="TextBox 15"/>
           <p:cNvSpPr txBox="1"/>
           <p:nvPr/>
         </p:nvSpPr>
         <p:spPr>
           <a:xfrm>
-            <a:off x="6394354" y="6650181"/>
-            <a:ext cx="1900625" cy="324196"/>
+            <a:off x="4832599" y="7107381"/>
+            <a:ext cx="4876800" cy="290945"/>
           </a:xfrm>
           <a:prstGeom prst="rect">
             <a:avLst/>
@@ -5206,78 +5445,12 @@
           <a:lstStyle/>
           <a:p>
             <a:pPr>
-              <a:defRPr sz="1400">
+              <a:defRPr sz="1500">
                 <a:latin typeface="Microsoft YaHei"/>
               </a:defRPr>
             </a:pPr>
             <a:r>
-              <a:t>TP-LINK</a:t>
-            </a:r>
-          </a:p>
-        </p:txBody>
-      </p:sp>
-      <p:sp>
-        <p:nvSpPr>
-          <p:cNvPr id="16" name="TextBox 15"/>
-          <p:cNvSpPr txBox="1"/>
-          <p:nvPr/>
-        </p:nvSpPr>
-        <p:spPr>
-          <a:xfrm>
-            <a:off x="4832599" y="7107381"/>
-            <a:ext cx="4876800" cy="290945"/>
-          </a:xfrm>
-          <a:prstGeom prst="rect">
-            <a:avLst/>
-          </a:prstGeom>
-          <a:noFill/>
-        </p:spPr>
-        <p:txBody>
-          <a:bodyPr wrap="square">
-            <a:spAutoFit/>
-          </a:bodyPr>
-          <a:lstStyle/>
-          <a:p>
-            <a:pPr>
-              <a:defRPr sz="1300">
-                <a:latin typeface="Microsoft YaHei"/>
-              </a:defRPr>
-            </a:pPr>
-            <a:r>
               <a:t>更多详情及项目支持，请咨询省终端公司销售代表。</a:t>
-            </a:r>
-          </a:p>
-        </p:txBody>
-      </p:sp>
-      <p:sp>
-        <p:nvSpPr>
-          <p:cNvPr id="17" name="TextBox 16"/>
-          <p:cNvSpPr txBox="1"/>
-          <p:nvPr/>
-        </p:nvSpPr>
-        <p:spPr>
-          <a:xfrm>
-            <a:off x="13554851" y="8046720"/>
-            <a:ext cx="1075548" cy="182880"/>
-          </a:xfrm>
-          <a:prstGeom prst="rect">
-            <a:avLst/>
-          </a:prstGeom>
-          <a:noFill/>
-        </p:spPr>
-        <p:txBody>
-          <a:bodyPr wrap="square">
-            <a:spAutoFit/>
-          </a:bodyPr>
-          <a:lstStyle/>
-          <a:p>
-            <a:pPr>
-              <a:defRPr sz="800">
-                <a:latin typeface="Microsoft YaHei"/>
-              </a:defRPr>
-            </a:pPr>
-            <a:r>
-              <a:t>NotebookLM</a:t>
             </a:r>
           </a:p>
         </p:txBody>
